--- a/ppt 16-9/0411.我的歌.pptx
+++ b/ppt 16-9/0411.我的歌.pptx
@@ -129,7 +129,7 @@
           <p:cNvPr id="2" name="标题 1">
             <a:extLst>
               <a:ext uri="{FF2B5EF4-FFF2-40B4-BE49-F238E27FC236}">
-                <a16:creationId xmlns:a16="http://schemas.microsoft.com/office/drawing/2014/main" id="{B75374D6-469F-EBA1-C8F5-DBE4461CE6FD}"/>
+                <a16:creationId xmlns:a16="http://schemas.microsoft.com/office/drawing/2014/main" id="{A53B3072-BE9C-079E-65AC-C1BCC825DD52}"/>
               </a:ext>
             </a:extLst>
           </p:cNvPr>
@@ -166,7 +166,7 @@
           <p:cNvPr id="3" name="副标题 2">
             <a:extLst>
               <a:ext uri="{FF2B5EF4-FFF2-40B4-BE49-F238E27FC236}">
-                <a16:creationId xmlns:a16="http://schemas.microsoft.com/office/drawing/2014/main" id="{3AF60609-9236-F783-8150-87E5ADE92B86}"/>
+                <a16:creationId xmlns:a16="http://schemas.microsoft.com/office/drawing/2014/main" id="{5EC3FC5C-0E55-5562-F090-2D2122617398}"/>
               </a:ext>
             </a:extLst>
           </p:cNvPr>
@@ -236,7 +236,7 @@
           <p:cNvPr id="4" name="日期占位符 3">
             <a:extLst>
               <a:ext uri="{FF2B5EF4-FFF2-40B4-BE49-F238E27FC236}">
-                <a16:creationId xmlns:a16="http://schemas.microsoft.com/office/drawing/2014/main" id="{7C1FEB8E-D82A-FFFE-E702-BEB7CB64AC4B}"/>
+                <a16:creationId xmlns:a16="http://schemas.microsoft.com/office/drawing/2014/main" id="{8E0B27FB-30B3-C6E9-8AFB-7F4E6CD3FAA2}"/>
               </a:ext>
             </a:extLst>
           </p:cNvPr>
@@ -252,7 +252,7 @@
           <a:bodyPr/>
           <a:lstStyle/>
           <a:p>
-            <a:fld id="{C8FF5462-5922-41B3-B00D-715827FF6A53}" type="datetimeFigureOut">
+            <a:fld id="{8223F82A-7B6D-48B5-B1C5-BF600F3158C7}" type="datetimeFigureOut">
               <a:rPr lang="zh-CN" altLang="en-US" smtClean="0"/>
               <a:t>2024/3/10</a:t>
             </a:fld>
@@ -265,7 +265,7 @@
           <p:cNvPr id="5" name="页脚占位符 4">
             <a:extLst>
               <a:ext uri="{FF2B5EF4-FFF2-40B4-BE49-F238E27FC236}">
-                <a16:creationId xmlns:a16="http://schemas.microsoft.com/office/drawing/2014/main" id="{C8DDCAA2-ABD4-B99C-64DE-80DE369F9325}"/>
+                <a16:creationId xmlns:a16="http://schemas.microsoft.com/office/drawing/2014/main" id="{8289D287-B89F-3112-5683-BF236CC970F7}"/>
               </a:ext>
             </a:extLst>
           </p:cNvPr>
@@ -290,7 +290,7 @@
           <p:cNvPr id="6" name="灯片编号占位符 5">
             <a:extLst>
               <a:ext uri="{FF2B5EF4-FFF2-40B4-BE49-F238E27FC236}">
-                <a16:creationId xmlns:a16="http://schemas.microsoft.com/office/drawing/2014/main" id="{625DAAD5-4263-663F-DD4F-733AEAA2BDC3}"/>
+                <a16:creationId xmlns:a16="http://schemas.microsoft.com/office/drawing/2014/main" id="{1821C908-E35C-59DA-34C3-2C0F864D1778}"/>
               </a:ext>
             </a:extLst>
           </p:cNvPr>
@@ -306,7 +306,7 @@
           <a:bodyPr/>
           <a:lstStyle/>
           <a:p>
-            <a:fld id="{34EC4CFA-8A49-4D08-BB5E-A8D30E144A8A}" type="slidenum">
+            <a:fld id="{99242D5D-CADE-4A8B-B3C4-84D079B3CDBB}" type="slidenum">
               <a:rPr lang="zh-CN" altLang="en-US" smtClean="0"/>
               <a:t>‹#›</a:t>
             </a:fld>
@@ -317,7 +317,7 @@
     </p:spTree>
     <p:extLst>
       <p:ext uri="{BB962C8B-B14F-4D97-AF65-F5344CB8AC3E}">
-        <p14:creationId xmlns:p14="http://schemas.microsoft.com/office/powerpoint/2010/main" val="3942179077"/>
+        <p14:creationId xmlns:p14="http://schemas.microsoft.com/office/powerpoint/2010/main" val="3829403897"/>
       </p:ext>
     </p:extLst>
   </p:cSld>
@@ -349,7 +349,7 @@
           <p:cNvPr id="2" name="标题 1">
             <a:extLst>
               <a:ext uri="{FF2B5EF4-FFF2-40B4-BE49-F238E27FC236}">
-                <a16:creationId xmlns:a16="http://schemas.microsoft.com/office/drawing/2014/main" id="{12884C1D-6782-558B-2479-92F3957B0ECE}"/>
+                <a16:creationId xmlns:a16="http://schemas.microsoft.com/office/drawing/2014/main" id="{D4035A65-8FFE-2F81-A592-5DA6EF03F8E3}"/>
               </a:ext>
             </a:extLst>
           </p:cNvPr>
@@ -377,7 +377,7 @@
           <p:cNvPr id="3" name="竖排文字占位符 2">
             <a:extLst>
               <a:ext uri="{FF2B5EF4-FFF2-40B4-BE49-F238E27FC236}">
-                <a16:creationId xmlns:a16="http://schemas.microsoft.com/office/drawing/2014/main" id="{D3D69E8A-0A24-AC47-B28E-3417747E5788}"/>
+                <a16:creationId xmlns:a16="http://schemas.microsoft.com/office/drawing/2014/main" id="{12C188C1-6699-57F0-904B-AF5BCF4068B5}"/>
               </a:ext>
             </a:extLst>
           </p:cNvPr>
@@ -434,7 +434,7 @@
           <p:cNvPr id="4" name="日期占位符 3">
             <a:extLst>
               <a:ext uri="{FF2B5EF4-FFF2-40B4-BE49-F238E27FC236}">
-                <a16:creationId xmlns:a16="http://schemas.microsoft.com/office/drawing/2014/main" id="{B4749FCE-3E05-0C1F-738A-2CE2E01A55ED}"/>
+                <a16:creationId xmlns:a16="http://schemas.microsoft.com/office/drawing/2014/main" id="{C92A5D32-45EE-BB84-C4F1-BECFD1950361}"/>
               </a:ext>
             </a:extLst>
           </p:cNvPr>
@@ -450,7 +450,7 @@
           <a:bodyPr/>
           <a:lstStyle/>
           <a:p>
-            <a:fld id="{C8FF5462-5922-41B3-B00D-715827FF6A53}" type="datetimeFigureOut">
+            <a:fld id="{8223F82A-7B6D-48B5-B1C5-BF600F3158C7}" type="datetimeFigureOut">
               <a:rPr lang="zh-CN" altLang="en-US" smtClean="0"/>
               <a:t>2024/3/10</a:t>
             </a:fld>
@@ -463,7 +463,7 @@
           <p:cNvPr id="5" name="页脚占位符 4">
             <a:extLst>
               <a:ext uri="{FF2B5EF4-FFF2-40B4-BE49-F238E27FC236}">
-                <a16:creationId xmlns:a16="http://schemas.microsoft.com/office/drawing/2014/main" id="{4D123B4A-8EE3-CDFA-B7BA-290A42E31AE5}"/>
+                <a16:creationId xmlns:a16="http://schemas.microsoft.com/office/drawing/2014/main" id="{26381AFA-5947-4A24-D328-B0003C38BEC1}"/>
               </a:ext>
             </a:extLst>
           </p:cNvPr>
@@ -488,7 +488,7 @@
           <p:cNvPr id="6" name="灯片编号占位符 5">
             <a:extLst>
               <a:ext uri="{FF2B5EF4-FFF2-40B4-BE49-F238E27FC236}">
-                <a16:creationId xmlns:a16="http://schemas.microsoft.com/office/drawing/2014/main" id="{E9C45F19-25B7-0E03-1AC5-6E38F974666D}"/>
+                <a16:creationId xmlns:a16="http://schemas.microsoft.com/office/drawing/2014/main" id="{CF2A15D0-BAB5-27E8-FC6C-9718EBD56858}"/>
               </a:ext>
             </a:extLst>
           </p:cNvPr>
@@ -504,7 +504,7 @@
           <a:bodyPr/>
           <a:lstStyle/>
           <a:p>
-            <a:fld id="{34EC4CFA-8A49-4D08-BB5E-A8D30E144A8A}" type="slidenum">
+            <a:fld id="{99242D5D-CADE-4A8B-B3C4-84D079B3CDBB}" type="slidenum">
               <a:rPr lang="zh-CN" altLang="en-US" smtClean="0"/>
               <a:t>‹#›</a:t>
             </a:fld>
@@ -515,7 +515,7 @@
     </p:spTree>
     <p:extLst>
       <p:ext uri="{BB962C8B-B14F-4D97-AF65-F5344CB8AC3E}">
-        <p14:creationId xmlns:p14="http://schemas.microsoft.com/office/powerpoint/2010/main" val="392808686"/>
+        <p14:creationId xmlns:p14="http://schemas.microsoft.com/office/powerpoint/2010/main" val="3683791143"/>
       </p:ext>
     </p:extLst>
   </p:cSld>
@@ -547,7 +547,7 @@
           <p:cNvPr id="2" name="竖排标题 1">
             <a:extLst>
               <a:ext uri="{FF2B5EF4-FFF2-40B4-BE49-F238E27FC236}">
-                <a16:creationId xmlns:a16="http://schemas.microsoft.com/office/drawing/2014/main" id="{D9CE7C49-0014-255D-6B65-37662B1407BE}"/>
+                <a16:creationId xmlns:a16="http://schemas.microsoft.com/office/drawing/2014/main" id="{C151419D-FF7B-CE72-D301-EC6F921C48A4}"/>
               </a:ext>
             </a:extLst>
           </p:cNvPr>
@@ -580,7 +580,7 @@
           <p:cNvPr id="3" name="竖排文字占位符 2">
             <a:extLst>
               <a:ext uri="{FF2B5EF4-FFF2-40B4-BE49-F238E27FC236}">
-                <a16:creationId xmlns:a16="http://schemas.microsoft.com/office/drawing/2014/main" id="{6C7FC225-7416-F610-C368-30E25F9E4785}"/>
+                <a16:creationId xmlns:a16="http://schemas.microsoft.com/office/drawing/2014/main" id="{FD207F78-6E0D-611A-3D61-268D224B2A70}"/>
               </a:ext>
             </a:extLst>
           </p:cNvPr>
@@ -642,7 +642,7 @@
           <p:cNvPr id="4" name="日期占位符 3">
             <a:extLst>
               <a:ext uri="{FF2B5EF4-FFF2-40B4-BE49-F238E27FC236}">
-                <a16:creationId xmlns:a16="http://schemas.microsoft.com/office/drawing/2014/main" id="{75F722D9-E7B2-EFC9-EC79-EF920CA0CCBD}"/>
+                <a16:creationId xmlns:a16="http://schemas.microsoft.com/office/drawing/2014/main" id="{75657BE2-03A0-93C9-6895-4D60CBC9F87A}"/>
               </a:ext>
             </a:extLst>
           </p:cNvPr>
@@ -658,7 +658,7 @@
           <a:bodyPr/>
           <a:lstStyle/>
           <a:p>
-            <a:fld id="{C8FF5462-5922-41B3-B00D-715827FF6A53}" type="datetimeFigureOut">
+            <a:fld id="{8223F82A-7B6D-48B5-B1C5-BF600F3158C7}" type="datetimeFigureOut">
               <a:rPr lang="zh-CN" altLang="en-US" smtClean="0"/>
               <a:t>2024/3/10</a:t>
             </a:fld>
@@ -671,7 +671,7 @@
           <p:cNvPr id="5" name="页脚占位符 4">
             <a:extLst>
               <a:ext uri="{FF2B5EF4-FFF2-40B4-BE49-F238E27FC236}">
-                <a16:creationId xmlns:a16="http://schemas.microsoft.com/office/drawing/2014/main" id="{6F0301BA-B3C2-7813-CDE7-403FBEE6AAE3}"/>
+                <a16:creationId xmlns:a16="http://schemas.microsoft.com/office/drawing/2014/main" id="{B04167BE-70BD-8ADC-ABD5-979F1991742E}"/>
               </a:ext>
             </a:extLst>
           </p:cNvPr>
@@ -696,7 +696,7 @@
           <p:cNvPr id="6" name="灯片编号占位符 5">
             <a:extLst>
               <a:ext uri="{FF2B5EF4-FFF2-40B4-BE49-F238E27FC236}">
-                <a16:creationId xmlns:a16="http://schemas.microsoft.com/office/drawing/2014/main" id="{DEB33811-F939-3496-1AA3-806CF70FB1B2}"/>
+                <a16:creationId xmlns:a16="http://schemas.microsoft.com/office/drawing/2014/main" id="{B6198965-4921-84B8-DAFA-FC1BC2C905F2}"/>
               </a:ext>
             </a:extLst>
           </p:cNvPr>
@@ -712,7 +712,7 @@
           <a:bodyPr/>
           <a:lstStyle/>
           <a:p>
-            <a:fld id="{34EC4CFA-8A49-4D08-BB5E-A8D30E144A8A}" type="slidenum">
+            <a:fld id="{99242D5D-CADE-4A8B-B3C4-84D079B3CDBB}" type="slidenum">
               <a:rPr lang="zh-CN" altLang="en-US" smtClean="0"/>
               <a:t>‹#›</a:t>
             </a:fld>
@@ -723,7 +723,7 @@
     </p:spTree>
     <p:extLst>
       <p:ext uri="{BB962C8B-B14F-4D97-AF65-F5344CB8AC3E}">
-        <p14:creationId xmlns:p14="http://schemas.microsoft.com/office/powerpoint/2010/main" val="2707394083"/>
+        <p14:creationId xmlns:p14="http://schemas.microsoft.com/office/powerpoint/2010/main" val="471002648"/>
       </p:ext>
     </p:extLst>
   </p:cSld>
@@ -755,7 +755,7 @@
           <p:cNvPr id="2" name="标题 1">
             <a:extLst>
               <a:ext uri="{FF2B5EF4-FFF2-40B4-BE49-F238E27FC236}">
-                <a16:creationId xmlns:a16="http://schemas.microsoft.com/office/drawing/2014/main" id="{D786AAAD-394C-537A-32C5-F477696AC3F9}"/>
+                <a16:creationId xmlns:a16="http://schemas.microsoft.com/office/drawing/2014/main" id="{D29B6FEF-A119-98E9-D8AB-428074295254}"/>
               </a:ext>
             </a:extLst>
           </p:cNvPr>
@@ -783,7 +783,7 @@
           <p:cNvPr id="3" name="内容占位符 2">
             <a:extLst>
               <a:ext uri="{FF2B5EF4-FFF2-40B4-BE49-F238E27FC236}">
-                <a16:creationId xmlns:a16="http://schemas.microsoft.com/office/drawing/2014/main" id="{A33F9DF6-A2C4-89CE-3D06-3BC7C737535C}"/>
+                <a16:creationId xmlns:a16="http://schemas.microsoft.com/office/drawing/2014/main" id="{71F264FA-4E03-E8BA-AFED-3266B925AEF6}"/>
               </a:ext>
             </a:extLst>
           </p:cNvPr>
@@ -840,7 +840,7 @@
           <p:cNvPr id="4" name="日期占位符 3">
             <a:extLst>
               <a:ext uri="{FF2B5EF4-FFF2-40B4-BE49-F238E27FC236}">
-                <a16:creationId xmlns:a16="http://schemas.microsoft.com/office/drawing/2014/main" id="{5D5F6C72-90D0-578A-975F-FEA17B506664}"/>
+                <a16:creationId xmlns:a16="http://schemas.microsoft.com/office/drawing/2014/main" id="{28331501-81F2-09F5-AF78-1C3D34BF9EE7}"/>
               </a:ext>
             </a:extLst>
           </p:cNvPr>
@@ -856,7 +856,7 @@
           <a:bodyPr/>
           <a:lstStyle/>
           <a:p>
-            <a:fld id="{C8FF5462-5922-41B3-B00D-715827FF6A53}" type="datetimeFigureOut">
+            <a:fld id="{8223F82A-7B6D-48B5-B1C5-BF600F3158C7}" type="datetimeFigureOut">
               <a:rPr lang="zh-CN" altLang="en-US" smtClean="0"/>
               <a:t>2024/3/10</a:t>
             </a:fld>
@@ -869,7 +869,7 @@
           <p:cNvPr id="5" name="页脚占位符 4">
             <a:extLst>
               <a:ext uri="{FF2B5EF4-FFF2-40B4-BE49-F238E27FC236}">
-                <a16:creationId xmlns:a16="http://schemas.microsoft.com/office/drawing/2014/main" id="{F10241F2-2E5D-8579-BB5C-04AC6BF9C7BE}"/>
+                <a16:creationId xmlns:a16="http://schemas.microsoft.com/office/drawing/2014/main" id="{7B121C31-EAB4-2DC2-0048-996420F9AC06}"/>
               </a:ext>
             </a:extLst>
           </p:cNvPr>
@@ -894,7 +894,7 @@
           <p:cNvPr id="6" name="灯片编号占位符 5">
             <a:extLst>
               <a:ext uri="{FF2B5EF4-FFF2-40B4-BE49-F238E27FC236}">
-                <a16:creationId xmlns:a16="http://schemas.microsoft.com/office/drawing/2014/main" id="{FAE3D99A-1528-6777-B315-55BFFA90D9BE}"/>
+                <a16:creationId xmlns:a16="http://schemas.microsoft.com/office/drawing/2014/main" id="{B109FA19-B0BF-10A5-C90B-971C1C2BCCDE}"/>
               </a:ext>
             </a:extLst>
           </p:cNvPr>
@@ -910,7 +910,7 @@
           <a:bodyPr/>
           <a:lstStyle/>
           <a:p>
-            <a:fld id="{34EC4CFA-8A49-4D08-BB5E-A8D30E144A8A}" type="slidenum">
+            <a:fld id="{99242D5D-CADE-4A8B-B3C4-84D079B3CDBB}" type="slidenum">
               <a:rPr lang="zh-CN" altLang="en-US" smtClean="0"/>
               <a:t>‹#›</a:t>
             </a:fld>
@@ -921,7 +921,7 @@
     </p:spTree>
     <p:extLst>
       <p:ext uri="{BB962C8B-B14F-4D97-AF65-F5344CB8AC3E}">
-        <p14:creationId xmlns:p14="http://schemas.microsoft.com/office/powerpoint/2010/main" val="1219562161"/>
+        <p14:creationId xmlns:p14="http://schemas.microsoft.com/office/powerpoint/2010/main" val="3135220080"/>
       </p:ext>
     </p:extLst>
   </p:cSld>
@@ -953,7 +953,7 @@
           <p:cNvPr id="2" name="标题 1">
             <a:extLst>
               <a:ext uri="{FF2B5EF4-FFF2-40B4-BE49-F238E27FC236}">
-                <a16:creationId xmlns:a16="http://schemas.microsoft.com/office/drawing/2014/main" id="{46B0FBBA-CFD7-2CD1-AD8C-3FC30E44A1E2}"/>
+                <a16:creationId xmlns:a16="http://schemas.microsoft.com/office/drawing/2014/main" id="{D3B4A90B-5E2E-879B-D1EC-A66FF05CF886}"/>
               </a:ext>
             </a:extLst>
           </p:cNvPr>
@@ -990,7 +990,7 @@
           <p:cNvPr id="3" name="文本占位符 2">
             <a:extLst>
               <a:ext uri="{FF2B5EF4-FFF2-40B4-BE49-F238E27FC236}">
-                <a16:creationId xmlns:a16="http://schemas.microsoft.com/office/drawing/2014/main" id="{1F7A289D-AF6D-5CFA-C27F-868C6FA849F0}"/>
+                <a16:creationId xmlns:a16="http://schemas.microsoft.com/office/drawing/2014/main" id="{C8C01386-ADB7-322A-A36C-8434663363BB}"/>
               </a:ext>
             </a:extLst>
           </p:cNvPr>
@@ -1115,7 +1115,7 @@
           <p:cNvPr id="4" name="日期占位符 3">
             <a:extLst>
               <a:ext uri="{FF2B5EF4-FFF2-40B4-BE49-F238E27FC236}">
-                <a16:creationId xmlns:a16="http://schemas.microsoft.com/office/drawing/2014/main" id="{9DEEEC5F-9A20-0600-0152-AEF2F93EFF76}"/>
+                <a16:creationId xmlns:a16="http://schemas.microsoft.com/office/drawing/2014/main" id="{7DDB12F7-2BE1-C4C3-F1FB-F3A3B1F41218}"/>
               </a:ext>
             </a:extLst>
           </p:cNvPr>
@@ -1131,7 +1131,7 @@
           <a:bodyPr/>
           <a:lstStyle/>
           <a:p>
-            <a:fld id="{C8FF5462-5922-41B3-B00D-715827FF6A53}" type="datetimeFigureOut">
+            <a:fld id="{8223F82A-7B6D-48B5-B1C5-BF600F3158C7}" type="datetimeFigureOut">
               <a:rPr lang="zh-CN" altLang="en-US" smtClean="0"/>
               <a:t>2024/3/10</a:t>
             </a:fld>
@@ -1144,7 +1144,7 @@
           <p:cNvPr id="5" name="页脚占位符 4">
             <a:extLst>
               <a:ext uri="{FF2B5EF4-FFF2-40B4-BE49-F238E27FC236}">
-                <a16:creationId xmlns:a16="http://schemas.microsoft.com/office/drawing/2014/main" id="{866E956A-531F-5114-42B9-126B0EA6D530}"/>
+                <a16:creationId xmlns:a16="http://schemas.microsoft.com/office/drawing/2014/main" id="{F9356E01-CA4D-03AF-CB27-C41521C6F377}"/>
               </a:ext>
             </a:extLst>
           </p:cNvPr>
@@ -1169,7 +1169,7 @@
           <p:cNvPr id="6" name="灯片编号占位符 5">
             <a:extLst>
               <a:ext uri="{FF2B5EF4-FFF2-40B4-BE49-F238E27FC236}">
-                <a16:creationId xmlns:a16="http://schemas.microsoft.com/office/drawing/2014/main" id="{B58B8E27-5D94-A8AF-B5DE-87626D4496F2}"/>
+                <a16:creationId xmlns:a16="http://schemas.microsoft.com/office/drawing/2014/main" id="{B3AEB51C-51DE-BB68-0136-13436CB334C2}"/>
               </a:ext>
             </a:extLst>
           </p:cNvPr>
@@ -1185,7 +1185,7 @@
           <a:bodyPr/>
           <a:lstStyle/>
           <a:p>
-            <a:fld id="{34EC4CFA-8A49-4D08-BB5E-A8D30E144A8A}" type="slidenum">
+            <a:fld id="{99242D5D-CADE-4A8B-B3C4-84D079B3CDBB}" type="slidenum">
               <a:rPr lang="zh-CN" altLang="en-US" smtClean="0"/>
               <a:t>‹#›</a:t>
             </a:fld>
@@ -1196,7 +1196,7 @@
     </p:spTree>
     <p:extLst>
       <p:ext uri="{BB962C8B-B14F-4D97-AF65-F5344CB8AC3E}">
-        <p14:creationId xmlns:p14="http://schemas.microsoft.com/office/powerpoint/2010/main" val="3729340601"/>
+        <p14:creationId xmlns:p14="http://schemas.microsoft.com/office/powerpoint/2010/main" val="1276159251"/>
       </p:ext>
     </p:extLst>
   </p:cSld>
@@ -1228,7 +1228,7 @@
           <p:cNvPr id="2" name="标题 1">
             <a:extLst>
               <a:ext uri="{FF2B5EF4-FFF2-40B4-BE49-F238E27FC236}">
-                <a16:creationId xmlns:a16="http://schemas.microsoft.com/office/drawing/2014/main" id="{860D60C1-605C-24D0-57D0-D897486B109A}"/>
+                <a16:creationId xmlns:a16="http://schemas.microsoft.com/office/drawing/2014/main" id="{88B1DFCF-712B-ECA7-9ACB-A02927E9639D}"/>
               </a:ext>
             </a:extLst>
           </p:cNvPr>
@@ -1256,7 +1256,7 @@
           <p:cNvPr id="3" name="内容占位符 2">
             <a:extLst>
               <a:ext uri="{FF2B5EF4-FFF2-40B4-BE49-F238E27FC236}">
-                <a16:creationId xmlns:a16="http://schemas.microsoft.com/office/drawing/2014/main" id="{36740550-81DE-2BFF-BB4D-7143373F7F4E}"/>
+                <a16:creationId xmlns:a16="http://schemas.microsoft.com/office/drawing/2014/main" id="{D01EBAFC-D436-7E0F-AB64-D8E1774A901D}"/>
               </a:ext>
             </a:extLst>
           </p:cNvPr>
@@ -1318,7 +1318,7 @@
           <p:cNvPr id="4" name="内容占位符 3">
             <a:extLst>
               <a:ext uri="{FF2B5EF4-FFF2-40B4-BE49-F238E27FC236}">
-                <a16:creationId xmlns:a16="http://schemas.microsoft.com/office/drawing/2014/main" id="{4E3A5FBA-656F-2B75-FCB1-92A8D7BAEDE1}"/>
+                <a16:creationId xmlns:a16="http://schemas.microsoft.com/office/drawing/2014/main" id="{29781907-40F8-8A8E-30E7-0686CDE0A838}"/>
               </a:ext>
             </a:extLst>
           </p:cNvPr>
@@ -1380,7 +1380,7 @@
           <p:cNvPr id="5" name="日期占位符 4">
             <a:extLst>
               <a:ext uri="{FF2B5EF4-FFF2-40B4-BE49-F238E27FC236}">
-                <a16:creationId xmlns:a16="http://schemas.microsoft.com/office/drawing/2014/main" id="{0E3FEA52-7088-399E-5C2A-BA00D62F2B52}"/>
+                <a16:creationId xmlns:a16="http://schemas.microsoft.com/office/drawing/2014/main" id="{27271F35-1CB7-9622-63BC-24EFDAA98B80}"/>
               </a:ext>
             </a:extLst>
           </p:cNvPr>
@@ -1396,7 +1396,7 @@
           <a:bodyPr/>
           <a:lstStyle/>
           <a:p>
-            <a:fld id="{C8FF5462-5922-41B3-B00D-715827FF6A53}" type="datetimeFigureOut">
+            <a:fld id="{8223F82A-7B6D-48B5-B1C5-BF600F3158C7}" type="datetimeFigureOut">
               <a:rPr lang="zh-CN" altLang="en-US" smtClean="0"/>
               <a:t>2024/3/10</a:t>
             </a:fld>
@@ -1409,7 +1409,7 @@
           <p:cNvPr id="6" name="页脚占位符 5">
             <a:extLst>
               <a:ext uri="{FF2B5EF4-FFF2-40B4-BE49-F238E27FC236}">
-                <a16:creationId xmlns:a16="http://schemas.microsoft.com/office/drawing/2014/main" id="{5D635DAD-0809-90D3-D8E2-37D26BE3642D}"/>
+                <a16:creationId xmlns:a16="http://schemas.microsoft.com/office/drawing/2014/main" id="{9E59365C-7288-FB18-3A55-BC247FA23690}"/>
               </a:ext>
             </a:extLst>
           </p:cNvPr>
@@ -1434,7 +1434,7 @@
           <p:cNvPr id="7" name="灯片编号占位符 6">
             <a:extLst>
               <a:ext uri="{FF2B5EF4-FFF2-40B4-BE49-F238E27FC236}">
-                <a16:creationId xmlns:a16="http://schemas.microsoft.com/office/drawing/2014/main" id="{EDDD4BBD-5A10-8DD9-8F69-320A17172991}"/>
+                <a16:creationId xmlns:a16="http://schemas.microsoft.com/office/drawing/2014/main" id="{880B3958-3240-D462-8707-4174F929EB5E}"/>
               </a:ext>
             </a:extLst>
           </p:cNvPr>
@@ -1450,7 +1450,7 @@
           <a:bodyPr/>
           <a:lstStyle/>
           <a:p>
-            <a:fld id="{34EC4CFA-8A49-4D08-BB5E-A8D30E144A8A}" type="slidenum">
+            <a:fld id="{99242D5D-CADE-4A8B-B3C4-84D079B3CDBB}" type="slidenum">
               <a:rPr lang="zh-CN" altLang="en-US" smtClean="0"/>
               <a:t>‹#›</a:t>
             </a:fld>
@@ -1461,7 +1461,7 @@
     </p:spTree>
     <p:extLst>
       <p:ext uri="{BB962C8B-B14F-4D97-AF65-F5344CB8AC3E}">
-        <p14:creationId xmlns:p14="http://schemas.microsoft.com/office/powerpoint/2010/main" val="1000735333"/>
+        <p14:creationId xmlns:p14="http://schemas.microsoft.com/office/powerpoint/2010/main" val="3838570931"/>
       </p:ext>
     </p:extLst>
   </p:cSld>
@@ -1493,7 +1493,7 @@
           <p:cNvPr id="2" name="标题 1">
             <a:extLst>
               <a:ext uri="{FF2B5EF4-FFF2-40B4-BE49-F238E27FC236}">
-                <a16:creationId xmlns:a16="http://schemas.microsoft.com/office/drawing/2014/main" id="{12018DB8-CAF1-B409-DD67-9A6C6D40868F}"/>
+                <a16:creationId xmlns:a16="http://schemas.microsoft.com/office/drawing/2014/main" id="{0DB42AE3-1E18-10E0-ECA7-24B66464B189}"/>
               </a:ext>
             </a:extLst>
           </p:cNvPr>
@@ -1526,7 +1526,7 @@
           <p:cNvPr id="3" name="文本占位符 2">
             <a:extLst>
               <a:ext uri="{FF2B5EF4-FFF2-40B4-BE49-F238E27FC236}">
-                <a16:creationId xmlns:a16="http://schemas.microsoft.com/office/drawing/2014/main" id="{848F6B31-3D07-D79B-466C-710D35979D96}"/>
+                <a16:creationId xmlns:a16="http://schemas.microsoft.com/office/drawing/2014/main" id="{36E2A9AC-96F3-24AC-F564-D7BE40F89A1D}"/>
               </a:ext>
             </a:extLst>
           </p:cNvPr>
@@ -1597,7 +1597,7 @@
           <p:cNvPr id="4" name="内容占位符 3">
             <a:extLst>
               <a:ext uri="{FF2B5EF4-FFF2-40B4-BE49-F238E27FC236}">
-                <a16:creationId xmlns:a16="http://schemas.microsoft.com/office/drawing/2014/main" id="{0CAE2FCD-4D2C-B532-B29C-41AB2480283C}"/>
+                <a16:creationId xmlns:a16="http://schemas.microsoft.com/office/drawing/2014/main" id="{2800D2F1-5182-0796-8C6A-32333E7DA9A8}"/>
               </a:ext>
             </a:extLst>
           </p:cNvPr>
@@ -1659,7 +1659,7 @@
           <p:cNvPr id="5" name="文本占位符 4">
             <a:extLst>
               <a:ext uri="{FF2B5EF4-FFF2-40B4-BE49-F238E27FC236}">
-                <a16:creationId xmlns:a16="http://schemas.microsoft.com/office/drawing/2014/main" id="{BDA18E5F-92B6-DF1F-82B5-EC5AB3133948}"/>
+                <a16:creationId xmlns:a16="http://schemas.microsoft.com/office/drawing/2014/main" id="{41E2CD2B-2154-F0FE-EB55-5E09AEA23DE8}"/>
               </a:ext>
             </a:extLst>
           </p:cNvPr>
@@ -1730,7 +1730,7 @@
           <p:cNvPr id="6" name="内容占位符 5">
             <a:extLst>
               <a:ext uri="{FF2B5EF4-FFF2-40B4-BE49-F238E27FC236}">
-                <a16:creationId xmlns:a16="http://schemas.microsoft.com/office/drawing/2014/main" id="{158CE38B-6A05-BA34-C4AA-F84996D895AC}"/>
+                <a16:creationId xmlns:a16="http://schemas.microsoft.com/office/drawing/2014/main" id="{3B8748A8-B3E6-2C61-FB10-A1B1A2B89EC4}"/>
               </a:ext>
             </a:extLst>
           </p:cNvPr>
@@ -1792,7 +1792,7 @@
           <p:cNvPr id="7" name="日期占位符 6">
             <a:extLst>
               <a:ext uri="{FF2B5EF4-FFF2-40B4-BE49-F238E27FC236}">
-                <a16:creationId xmlns:a16="http://schemas.microsoft.com/office/drawing/2014/main" id="{10CAFE37-06A0-DF89-40E3-263BA06A61C0}"/>
+                <a16:creationId xmlns:a16="http://schemas.microsoft.com/office/drawing/2014/main" id="{686893B1-24A3-DCE8-B231-91F5DB281BD9}"/>
               </a:ext>
             </a:extLst>
           </p:cNvPr>
@@ -1808,7 +1808,7 @@
           <a:bodyPr/>
           <a:lstStyle/>
           <a:p>
-            <a:fld id="{C8FF5462-5922-41B3-B00D-715827FF6A53}" type="datetimeFigureOut">
+            <a:fld id="{8223F82A-7B6D-48B5-B1C5-BF600F3158C7}" type="datetimeFigureOut">
               <a:rPr lang="zh-CN" altLang="en-US" smtClean="0"/>
               <a:t>2024/3/10</a:t>
             </a:fld>
@@ -1821,7 +1821,7 @@
           <p:cNvPr id="8" name="页脚占位符 7">
             <a:extLst>
               <a:ext uri="{FF2B5EF4-FFF2-40B4-BE49-F238E27FC236}">
-                <a16:creationId xmlns:a16="http://schemas.microsoft.com/office/drawing/2014/main" id="{3FAD9766-F9E3-6178-735E-D4412A227291}"/>
+                <a16:creationId xmlns:a16="http://schemas.microsoft.com/office/drawing/2014/main" id="{A941A226-20CB-9114-58A0-59C072160D0A}"/>
               </a:ext>
             </a:extLst>
           </p:cNvPr>
@@ -1846,7 +1846,7 @@
           <p:cNvPr id="9" name="灯片编号占位符 8">
             <a:extLst>
               <a:ext uri="{FF2B5EF4-FFF2-40B4-BE49-F238E27FC236}">
-                <a16:creationId xmlns:a16="http://schemas.microsoft.com/office/drawing/2014/main" id="{320F075E-7E10-EDA7-AA23-6EC1D0D1E720}"/>
+                <a16:creationId xmlns:a16="http://schemas.microsoft.com/office/drawing/2014/main" id="{FD2148FD-AD94-EE4E-9CB9-88E5CE1FAEDC}"/>
               </a:ext>
             </a:extLst>
           </p:cNvPr>
@@ -1862,7 +1862,7 @@
           <a:bodyPr/>
           <a:lstStyle/>
           <a:p>
-            <a:fld id="{34EC4CFA-8A49-4D08-BB5E-A8D30E144A8A}" type="slidenum">
+            <a:fld id="{99242D5D-CADE-4A8B-B3C4-84D079B3CDBB}" type="slidenum">
               <a:rPr lang="zh-CN" altLang="en-US" smtClean="0"/>
               <a:t>‹#›</a:t>
             </a:fld>
@@ -1873,7 +1873,7 @@
     </p:spTree>
     <p:extLst>
       <p:ext uri="{BB962C8B-B14F-4D97-AF65-F5344CB8AC3E}">
-        <p14:creationId xmlns:p14="http://schemas.microsoft.com/office/powerpoint/2010/main" val="1550525184"/>
+        <p14:creationId xmlns:p14="http://schemas.microsoft.com/office/powerpoint/2010/main" val="4275626538"/>
       </p:ext>
     </p:extLst>
   </p:cSld>
@@ -1905,7 +1905,7 @@
           <p:cNvPr id="2" name="标题 1">
             <a:extLst>
               <a:ext uri="{FF2B5EF4-FFF2-40B4-BE49-F238E27FC236}">
-                <a16:creationId xmlns:a16="http://schemas.microsoft.com/office/drawing/2014/main" id="{3ADBCA48-4D91-BF5D-4992-2B86256F7F68}"/>
+                <a16:creationId xmlns:a16="http://schemas.microsoft.com/office/drawing/2014/main" id="{A77563A4-65D2-72B2-BFF5-2D6FCE0C68EF}"/>
               </a:ext>
             </a:extLst>
           </p:cNvPr>
@@ -1933,7 +1933,7 @@
           <p:cNvPr id="3" name="日期占位符 2">
             <a:extLst>
               <a:ext uri="{FF2B5EF4-FFF2-40B4-BE49-F238E27FC236}">
-                <a16:creationId xmlns:a16="http://schemas.microsoft.com/office/drawing/2014/main" id="{B6C8345E-0B58-D034-D61B-F98FDEF449FE}"/>
+                <a16:creationId xmlns:a16="http://schemas.microsoft.com/office/drawing/2014/main" id="{93C09139-DD8C-0274-322F-8B96822888E5}"/>
               </a:ext>
             </a:extLst>
           </p:cNvPr>
@@ -1949,7 +1949,7 @@
           <a:bodyPr/>
           <a:lstStyle/>
           <a:p>
-            <a:fld id="{C8FF5462-5922-41B3-B00D-715827FF6A53}" type="datetimeFigureOut">
+            <a:fld id="{8223F82A-7B6D-48B5-B1C5-BF600F3158C7}" type="datetimeFigureOut">
               <a:rPr lang="zh-CN" altLang="en-US" smtClean="0"/>
               <a:t>2024/3/10</a:t>
             </a:fld>
@@ -1962,7 +1962,7 @@
           <p:cNvPr id="4" name="页脚占位符 3">
             <a:extLst>
               <a:ext uri="{FF2B5EF4-FFF2-40B4-BE49-F238E27FC236}">
-                <a16:creationId xmlns:a16="http://schemas.microsoft.com/office/drawing/2014/main" id="{2178ED5A-7B80-8A57-79A8-9782FDC9B2B6}"/>
+                <a16:creationId xmlns:a16="http://schemas.microsoft.com/office/drawing/2014/main" id="{D1FBD54E-818C-BE35-F832-BB4A234C0847}"/>
               </a:ext>
             </a:extLst>
           </p:cNvPr>
@@ -1987,7 +1987,7 @@
           <p:cNvPr id="5" name="灯片编号占位符 4">
             <a:extLst>
               <a:ext uri="{FF2B5EF4-FFF2-40B4-BE49-F238E27FC236}">
-                <a16:creationId xmlns:a16="http://schemas.microsoft.com/office/drawing/2014/main" id="{CFB05481-FD04-D98F-E882-4C7298770685}"/>
+                <a16:creationId xmlns:a16="http://schemas.microsoft.com/office/drawing/2014/main" id="{EE20F8DD-D5D5-1F8D-6432-B11C5481F97A}"/>
               </a:ext>
             </a:extLst>
           </p:cNvPr>
@@ -2003,7 +2003,7 @@
           <a:bodyPr/>
           <a:lstStyle/>
           <a:p>
-            <a:fld id="{34EC4CFA-8A49-4D08-BB5E-A8D30E144A8A}" type="slidenum">
+            <a:fld id="{99242D5D-CADE-4A8B-B3C4-84D079B3CDBB}" type="slidenum">
               <a:rPr lang="zh-CN" altLang="en-US" smtClean="0"/>
               <a:t>‹#›</a:t>
             </a:fld>
@@ -2014,7 +2014,7 @@
     </p:spTree>
     <p:extLst>
       <p:ext uri="{BB962C8B-B14F-4D97-AF65-F5344CB8AC3E}">
-        <p14:creationId xmlns:p14="http://schemas.microsoft.com/office/powerpoint/2010/main" val="2409670474"/>
+        <p14:creationId xmlns:p14="http://schemas.microsoft.com/office/powerpoint/2010/main" val="1545125309"/>
       </p:ext>
     </p:extLst>
   </p:cSld>
@@ -2046,7 +2046,7 @@
           <p:cNvPr id="2" name="日期占位符 1">
             <a:extLst>
               <a:ext uri="{FF2B5EF4-FFF2-40B4-BE49-F238E27FC236}">
-                <a16:creationId xmlns:a16="http://schemas.microsoft.com/office/drawing/2014/main" id="{3DFE00CC-3ACA-4B01-DF3D-C62A6F950565}"/>
+                <a16:creationId xmlns:a16="http://schemas.microsoft.com/office/drawing/2014/main" id="{020CEEC9-1799-59AB-1BED-5013BBC3FCBD}"/>
               </a:ext>
             </a:extLst>
           </p:cNvPr>
@@ -2062,7 +2062,7 @@
           <a:bodyPr/>
           <a:lstStyle/>
           <a:p>
-            <a:fld id="{C8FF5462-5922-41B3-B00D-715827FF6A53}" type="datetimeFigureOut">
+            <a:fld id="{8223F82A-7B6D-48B5-B1C5-BF600F3158C7}" type="datetimeFigureOut">
               <a:rPr lang="zh-CN" altLang="en-US" smtClean="0"/>
               <a:t>2024/3/10</a:t>
             </a:fld>
@@ -2075,7 +2075,7 @@
           <p:cNvPr id="3" name="页脚占位符 2">
             <a:extLst>
               <a:ext uri="{FF2B5EF4-FFF2-40B4-BE49-F238E27FC236}">
-                <a16:creationId xmlns:a16="http://schemas.microsoft.com/office/drawing/2014/main" id="{F0C34F42-D43F-4057-4C6B-224ED60514A5}"/>
+                <a16:creationId xmlns:a16="http://schemas.microsoft.com/office/drawing/2014/main" id="{59E5CEE2-5D31-FDB0-4BA9-B09EAF2C3846}"/>
               </a:ext>
             </a:extLst>
           </p:cNvPr>
@@ -2100,7 +2100,7 @@
           <p:cNvPr id="4" name="灯片编号占位符 3">
             <a:extLst>
               <a:ext uri="{FF2B5EF4-FFF2-40B4-BE49-F238E27FC236}">
-                <a16:creationId xmlns:a16="http://schemas.microsoft.com/office/drawing/2014/main" id="{8E5070DE-B33C-2942-9D3C-723C4F7A5B65}"/>
+                <a16:creationId xmlns:a16="http://schemas.microsoft.com/office/drawing/2014/main" id="{F19A0F37-C2E4-F375-AF41-5F68C4CEB462}"/>
               </a:ext>
             </a:extLst>
           </p:cNvPr>
@@ -2116,7 +2116,7 @@
           <a:bodyPr/>
           <a:lstStyle/>
           <a:p>
-            <a:fld id="{34EC4CFA-8A49-4D08-BB5E-A8D30E144A8A}" type="slidenum">
+            <a:fld id="{99242D5D-CADE-4A8B-B3C4-84D079B3CDBB}" type="slidenum">
               <a:rPr lang="zh-CN" altLang="en-US" smtClean="0"/>
               <a:t>‹#›</a:t>
             </a:fld>
@@ -2127,7 +2127,7 @@
     </p:spTree>
     <p:extLst>
       <p:ext uri="{BB962C8B-B14F-4D97-AF65-F5344CB8AC3E}">
-        <p14:creationId xmlns:p14="http://schemas.microsoft.com/office/powerpoint/2010/main" val="1891650419"/>
+        <p14:creationId xmlns:p14="http://schemas.microsoft.com/office/powerpoint/2010/main" val="2722054160"/>
       </p:ext>
     </p:extLst>
   </p:cSld>
@@ -2159,7 +2159,7 @@
           <p:cNvPr id="2" name="标题 1">
             <a:extLst>
               <a:ext uri="{FF2B5EF4-FFF2-40B4-BE49-F238E27FC236}">
-                <a16:creationId xmlns:a16="http://schemas.microsoft.com/office/drawing/2014/main" id="{3EE32678-00EE-15A6-98C3-2D7B23E82953}"/>
+                <a16:creationId xmlns:a16="http://schemas.microsoft.com/office/drawing/2014/main" id="{20D016E2-5590-F897-B34A-413A9CAB5DA8}"/>
               </a:ext>
             </a:extLst>
           </p:cNvPr>
@@ -2196,7 +2196,7 @@
           <p:cNvPr id="3" name="内容占位符 2">
             <a:extLst>
               <a:ext uri="{FF2B5EF4-FFF2-40B4-BE49-F238E27FC236}">
-                <a16:creationId xmlns:a16="http://schemas.microsoft.com/office/drawing/2014/main" id="{3792D648-D7A5-B73D-63EA-C7C479462499}"/>
+                <a16:creationId xmlns:a16="http://schemas.microsoft.com/office/drawing/2014/main" id="{4B254910-B0B7-9395-DDBE-3213BBE52418}"/>
               </a:ext>
             </a:extLst>
           </p:cNvPr>
@@ -2286,7 +2286,7 @@
           <p:cNvPr id="4" name="文本占位符 3">
             <a:extLst>
               <a:ext uri="{FF2B5EF4-FFF2-40B4-BE49-F238E27FC236}">
-                <a16:creationId xmlns:a16="http://schemas.microsoft.com/office/drawing/2014/main" id="{25DCFAEB-F7BB-92FB-0B25-11B76E6D299A}"/>
+                <a16:creationId xmlns:a16="http://schemas.microsoft.com/office/drawing/2014/main" id="{EDEDE3CF-345E-B7B6-E457-826B85E99E05}"/>
               </a:ext>
             </a:extLst>
           </p:cNvPr>
@@ -2357,7 +2357,7 @@
           <p:cNvPr id="5" name="日期占位符 4">
             <a:extLst>
               <a:ext uri="{FF2B5EF4-FFF2-40B4-BE49-F238E27FC236}">
-                <a16:creationId xmlns:a16="http://schemas.microsoft.com/office/drawing/2014/main" id="{65EBC68D-8390-8BFA-BF20-6F2293EE6AC6}"/>
+                <a16:creationId xmlns:a16="http://schemas.microsoft.com/office/drawing/2014/main" id="{E031FB21-FE76-05D0-F24E-A40CCAC97496}"/>
               </a:ext>
             </a:extLst>
           </p:cNvPr>
@@ -2373,7 +2373,7 @@
           <a:bodyPr/>
           <a:lstStyle/>
           <a:p>
-            <a:fld id="{C8FF5462-5922-41B3-B00D-715827FF6A53}" type="datetimeFigureOut">
+            <a:fld id="{8223F82A-7B6D-48B5-B1C5-BF600F3158C7}" type="datetimeFigureOut">
               <a:rPr lang="zh-CN" altLang="en-US" smtClean="0"/>
               <a:t>2024/3/10</a:t>
             </a:fld>
@@ -2386,7 +2386,7 @@
           <p:cNvPr id="6" name="页脚占位符 5">
             <a:extLst>
               <a:ext uri="{FF2B5EF4-FFF2-40B4-BE49-F238E27FC236}">
-                <a16:creationId xmlns:a16="http://schemas.microsoft.com/office/drawing/2014/main" id="{F4A60E58-B19C-FB9F-EA49-887F1F58FFF2}"/>
+                <a16:creationId xmlns:a16="http://schemas.microsoft.com/office/drawing/2014/main" id="{42980875-68F5-39C6-0D40-AFE5CF62BD95}"/>
               </a:ext>
             </a:extLst>
           </p:cNvPr>
@@ -2411,7 +2411,7 @@
           <p:cNvPr id="7" name="灯片编号占位符 6">
             <a:extLst>
               <a:ext uri="{FF2B5EF4-FFF2-40B4-BE49-F238E27FC236}">
-                <a16:creationId xmlns:a16="http://schemas.microsoft.com/office/drawing/2014/main" id="{77A82B50-33B9-FFCA-E9F2-56E4BC103EB0}"/>
+                <a16:creationId xmlns:a16="http://schemas.microsoft.com/office/drawing/2014/main" id="{F5886CE3-A684-C4BC-A513-C6C6F0A5760B}"/>
               </a:ext>
             </a:extLst>
           </p:cNvPr>
@@ -2427,7 +2427,7 @@
           <a:bodyPr/>
           <a:lstStyle/>
           <a:p>
-            <a:fld id="{34EC4CFA-8A49-4D08-BB5E-A8D30E144A8A}" type="slidenum">
+            <a:fld id="{99242D5D-CADE-4A8B-B3C4-84D079B3CDBB}" type="slidenum">
               <a:rPr lang="zh-CN" altLang="en-US" smtClean="0"/>
               <a:t>‹#›</a:t>
             </a:fld>
@@ -2438,7 +2438,7 @@
     </p:spTree>
     <p:extLst>
       <p:ext uri="{BB962C8B-B14F-4D97-AF65-F5344CB8AC3E}">
-        <p14:creationId xmlns:p14="http://schemas.microsoft.com/office/powerpoint/2010/main" val="3183479501"/>
+        <p14:creationId xmlns:p14="http://schemas.microsoft.com/office/powerpoint/2010/main" val="1371304499"/>
       </p:ext>
     </p:extLst>
   </p:cSld>
@@ -2470,7 +2470,7 @@
           <p:cNvPr id="2" name="标题 1">
             <a:extLst>
               <a:ext uri="{FF2B5EF4-FFF2-40B4-BE49-F238E27FC236}">
-                <a16:creationId xmlns:a16="http://schemas.microsoft.com/office/drawing/2014/main" id="{272A016E-6897-0F8F-ADC3-075309F49C89}"/>
+                <a16:creationId xmlns:a16="http://schemas.microsoft.com/office/drawing/2014/main" id="{69E72066-D1A7-1D86-B318-AD62281FF260}"/>
               </a:ext>
             </a:extLst>
           </p:cNvPr>
@@ -2507,7 +2507,7 @@
           <p:cNvPr id="3" name="图片占位符 2">
             <a:extLst>
               <a:ext uri="{FF2B5EF4-FFF2-40B4-BE49-F238E27FC236}">
-                <a16:creationId xmlns:a16="http://schemas.microsoft.com/office/drawing/2014/main" id="{9A3F8B9A-531D-9209-8F45-C00281937378}"/>
+                <a16:creationId xmlns:a16="http://schemas.microsoft.com/office/drawing/2014/main" id="{A43036D5-0B76-A3AB-3A9C-C28B0E6B0327}"/>
               </a:ext>
             </a:extLst>
           </p:cNvPr>
@@ -2574,7 +2574,7 @@
           <p:cNvPr id="4" name="文本占位符 3">
             <a:extLst>
               <a:ext uri="{FF2B5EF4-FFF2-40B4-BE49-F238E27FC236}">
-                <a16:creationId xmlns:a16="http://schemas.microsoft.com/office/drawing/2014/main" id="{1EE91E27-7D60-DAFB-01CF-8BDACD916277}"/>
+                <a16:creationId xmlns:a16="http://schemas.microsoft.com/office/drawing/2014/main" id="{D7E193EC-9790-4109-E518-5132D09B9F07}"/>
               </a:ext>
             </a:extLst>
           </p:cNvPr>
@@ -2645,7 +2645,7 @@
           <p:cNvPr id="5" name="日期占位符 4">
             <a:extLst>
               <a:ext uri="{FF2B5EF4-FFF2-40B4-BE49-F238E27FC236}">
-                <a16:creationId xmlns:a16="http://schemas.microsoft.com/office/drawing/2014/main" id="{158DB4B7-081D-6F79-63DC-C7339937F949}"/>
+                <a16:creationId xmlns:a16="http://schemas.microsoft.com/office/drawing/2014/main" id="{46AB995B-B499-5B04-8078-ABC388C07C54}"/>
               </a:ext>
             </a:extLst>
           </p:cNvPr>
@@ -2661,7 +2661,7 @@
           <a:bodyPr/>
           <a:lstStyle/>
           <a:p>
-            <a:fld id="{C8FF5462-5922-41B3-B00D-715827FF6A53}" type="datetimeFigureOut">
+            <a:fld id="{8223F82A-7B6D-48B5-B1C5-BF600F3158C7}" type="datetimeFigureOut">
               <a:rPr lang="zh-CN" altLang="en-US" smtClean="0"/>
               <a:t>2024/3/10</a:t>
             </a:fld>
@@ -2674,7 +2674,7 @@
           <p:cNvPr id="6" name="页脚占位符 5">
             <a:extLst>
               <a:ext uri="{FF2B5EF4-FFF2-40B4-BE49-F238E27FC236}">
-                <a16:creationId xmlns:a16="http://schemas.microsoft.com/office/drawing/2014/main" id="{491FAA5D-6E9B-7D45-6FC7-0EE1BE72621F}"/>
+                <a16:creationId xmlns:a16="http://schemas.microsoft.com/office/drawing/2014/main" id="{68D99E5F-C822-B0C5-3E70-BF5A06580336}"/>
               </a:ext>
             </a:extLst>
           </p:cNvPr>
@@ -2699,7 +2699,7 @@
           <p:cNvPr id="7" name="灯片编号占位符 6">
             <a:extLst>
               <a:ext uri="{FF2B5EF4-FFF2-40B4-BE49-F238E27FC236}">
-                <a16:creationId xmlns:a16="http://schemas.microsoft.com/office/drawing/2014/main" id="{213E096A-82A0-0492-A41C-E1398503662D}"/>
+                <a16:creationId xmlns:a16="http://schemas.microsoft.com/office/drawing/2014/main" id="{E68098BE-0E94-ACC3-1D12-8B735A5643A1}"/>
               </a:ext>
             </a:extLst>
           </p:cNvPr>
@@ -2715,7 +2715,7 @@
           <a:bodyPr/>
           <a:lstStyle/>
           <a:p>
-            <a:fld id="{34EC4CFA-8A49-4D08-BB5E-A8D30E144A8A}" type="slidenum">
+            <a:fld id="{99242D5D-CADE-4A8B-B3C4-84D079B3CDBB}" type="slidenum">
               <a:rPr lang="zh-CN" altLang="en-US" smtClean="0"/>
               <a:t>‹#›</a:t>
             </a:fld>
@@ -2726,7 +2726,7 @@
     </p:spTree>
     <p:extLst>
       <p:ext uri="{BB962C8B-B14F-4D97-AF65-F5344CB8AC3E}">
-        <p14:creationId xmlns:p14="http://schemas.microsoft.com/office/powerpoint/2010/main" val="1594773455"/>
+        <p14:creationId xmlns:p14="http://schemas.microsoft.com/office/powerpoint/2010/main" val="3207744457"/>
       </p:ext>
     </p:extLst>
   </p:cSld>
@@ -2763,7 +2763,7 @@
           <p:cNvPr id="2" name="标题占位符 1">
             <a:extLst>
               <a:ext uri="{FF2B5EF4-FFF2-40B4-BE49-F238E27FC236}">
-                <a16:creationId xmlns:a16="http://schemas.microsoft.com/office/drawing/2014/main" id="{DDB8E103-17AD-485C-C4C1-85D3BFF2A9CD}"/>
+                <a16:creationId xmlns:a16="http://schemas.microsoft.com/office/drawing/2014/main" id="{53815DDF-D105-29BA-2E58-6CBC9D4FF0B0}"/>
               </a:ext>
             </a:extLst>
           </p:cNvPr>
@@ -2801,7 +2801,7 @@
           <p:cNvPr id="3" name="文本占位符 2">
             <a:extLst>
               <a:ext uri="{FF2B5EF4-FFF2-40B4-BE49-F238E27FC236}">
-                <a16:creationId xmlns:a16="http://schemas.microsoft.com/office/drawing/2014/main" id="{669C26EA-5C5E-2AF0-7F30-462A744636E6}"/>
+                <a16:creationId xmlns:a16="http://schemas.microsoft.com/office/drawing/2014/main" id="{4F921EB5-6DED-684C-4409-365D2D5F6CF5}"/>
               </a:ext>
             </a:extLst>
           </p:cNvPr>
@@ -2868,7 +2868,7 @@
           <p:cNvPr id="4" name="日期占位符 3">
             <a:extLst>
               <a:ext uri="{FF2B5EF4-FFF2-40B4-BE49-F238E27FC236}">
-                <a16:creationId xmlns:a16="http://schemas.microsoft.com/office/drawing/2014/main" id="{61755B64-2231-771B-3818-6B5C82F1A3CC}"/>
+                <a16:creationId xmlns:a16="http://schemas.microsoft.com/office/drawing/2014/main" id="{21E8E43F-9B00-96DA-B579-024130FACA84}"/>
               </a:ext>
             </a:extLst>
           </p:cNvPr>
@@ -2902,7 +2902,7 @@
             </a:lvl1pPr>
           </a:lstStyle>
           <a:p>
-            <a:fld id="{C8FF5462-5922-41B3-B00D-715827FF6A53}" type="datetimeFigureOut">
+            <a:fld id="{8223F82A-7B6D-48B5-B1C5-BF600F3158C7}" type="datetimeFigureOut">
               <a:rPr lang="zh-CN" altLang="en-US" smtClean="0"/>
               <a:t>2024/3/10</a:t>
             </a:fld>
@@ -2915,7 +2915,7 @@
           <p:cNvPr id="5" name="页脚占位符 4">
             <a:extLst>
               <a:ext uri="{FF2B5EF4-FFF2-40B4-BE49-F238E27FC236}">
-                <a16:creationId xmlns:a16="http://schemas.microsoft.com/office/drawing/2014/main" id="{D5883840-8ECF-C545-E95A-8CD730C57D68}"/>
+                <a16:creationId xmlns:a16="http://schemas.microsoft.com/office/drawing/2014/main" id="{EA25C3AE-5DFE-B260-B9E9-117AF63F1906}"/>
               </a:ext>
             </a:extLst>
           </p:cNvPr>
@@ -2958,7 +2958,7 @@
           <p:cNvPr id="6" name="灯片编号占位符 5">
             <a:extLst>
               <a:ext uri="{FF2B5EF4-FFF2-40B4-BE49-F238E27FC236}">
-                <a16:creationId xmlns:a16="http://schemas.microsoft.com/office/drawing/2014/main" id="{7ECCAB94-990C-A482-4905-7FAC4305E30C}"/>
+                <a16:creationId xmlns:a16="http://schemas.microsoft.com/office/drawing/2014/main" id="{C8691AC2-022E-322F-94CC-FC8CA28B0CDA}"/>
               </a:ext>
             </a:extLst>
           </p:cNvPr>
@@ -2992,7 +2992,7 @@
             </a:lvl1pPr>
           </a:lstStyle>
           <a:p>
-            <a:fld id="{34EC4CFA-8A49-4D08-BB5E-A8D30E144A8A}" type="slidenum">
+            <a:fld id="{99242D5D-CADE-4A8B-B3C4-84D079B3CDBB}" type="slidenum">
               <a:rPr lang="zh-CN" altLang="en-US" smtClean="0"/>
               <a:t>‹#›</a:t>
             </a:fld>
@@ -3003,7 +3003,7 @@
     </p:spTree>
     <p:extLst>
       <p:ext uri="{BB962C8B-B14F-4D97-AF65-F5344CB8AC3E}">
-        <p14:creationId xmlns:p14="http://schemas.microsoft.com/office/powerpoint/2010/main" val="941192440"/>
+        <p14:creationId xmlns:p14="http://schemas.microsoft.com/office/powerpoint/2010/main" val="3253799265"/>
       </p:ext>
     </p:extLst>
   </p:cSld>
